--- a/resources/ppt-slides/control-flow-infinite-loop.pptx
+++ b/resources/ppt-slides/control-flow-infinite-loop.pptx
@@ -251,7 +251,7 @@
           <a:p>
             <a:fld id="{964302DC-9F53-934F-AE4D-0F1F197008C1}" type="datetimeFigureOut">
               <a:rPr lang="en-US" smtClean="0"/>
-              <a:t>10/26/23</a:t>
+              <a:t>2/12/24</a:t>
             </a:fld>
             <a:endParaRPr lang="en-US"/>
           </a:p>
@@ -421,7 +421,7 @@
           <a:p>
             <a:fld id="{964302DC-9F53-934F-AE4D-0F1F197008C1}" type="datetimeFigureOut">
               <a:rPr lang="en-US" smtClean="0"/>
-              <a:t>10/26/23</a:t>
+              <a:t>2/12/24</a:t>
             </a:fld>
             <a:endParaRPr lang="en-US"/>
           </a:p>
@@ -601,7 +601,7 @@
           <a:p>
             <a:fld id="{964302DC-9F53-934F-AE4D-0F1F197008C1}" type="datetimeFigureOut">
               <a:rPr lang="en-US" smtClean="0"/>
-              <a:t>10/26/23</a:t>
+              <a:t>2/12/24</a:t>
             </a:fld>
             <a:endParaRPr lang="en-US"/>
           </a:p>
@@ -771,7 +771,7 @@
           <a:p>
             <a:fld id="{964302DC-9F53-934F-AE4D-0F1F197008C1}" type="datetimeFigureOut">
               <a:rPr lang="en-US" smtClean="0"/>
-              <a:t>10/26/23</a:t>
+              <a:t>2/12/24</a:t>
             </a:fld>
             <a:endParaRPr lang="en-US"/>
           </a:p>
@@ -1015,7 +1015,7 @@
           <a:p>
             <a:fld id="{964302DC-9F53-934F-AE4D-0F1F197008C1}" type="datetimeFigureOut">
               <a:rPr lang="en-US" smtClean="0"/>
-              <a:t>10/26/23</a:t>
+              <a:t>2/12/24</a:t>
             </a:fld>
             <a:endParaRPr lang="en-US"/>
           </a:p>
@@ -1247,7 +1247,7 @@
           <a:p>
             <a:fld id="{964302DC-9F53-934F-AE4D-0F1F197008C1}" type="datetimeFigureOut">
               <a:rPr lang="en-US" smtClean="0"/>
-              <a:t>10/26/23</a:t>
+              <a:t>2/12/24</a:t>
             </a:fld>
             <a:endParaRPr lang="en-US"/>
           </a:p>
@@ -1614,7 +1614,7 @@
           <a:p>
             <a:fld id="{964302DC-9F53-934F-AE4D-0F1F197008C1}" type="datetimeFigureOut">
               <a:rPr lang="en-US" smtClean="0"/>
-              <a:t>10/26/23</a:t>
+              <a:t>2/12/24</a:t>
             </a:fld>
             <a:endParaRPr lang="en-US"/>
           </a:p>
@@ -1732,7 +1732,7 @@
           <a:p>
             <a:fld id="{964302DC-9F53-934F-AE4D-0F1F197008C1}" type="datetimeFigureOut">
               <a:rPr lang="en-US" smtClean="0"/>
-              <a:t>10/26/23</a:t>
+              <a:t>2/12/24</a:t>
             </a:fld>
             <a:endParaRPr lang="en-US"/>
           </a:p>
@@ -1827,7 +1827,7 @@
           <a:p>
             <a:fld id="{964302DC-9F53-934F-AE4D-0F1F197008C1}" type="datetimeFigureOut">
               <a:rPr lang="en-US" smtClean="0"/>
-              <a:t>10/26/23</a:t>
+              <a:t>2/12/24</a:t>
             </a:fld>
             <a:endParaRPr lang="en-US"/>
           </a:p>
@@ -2104,7 +2104,7 @@
           <a:p>
             <a:fld id="{964302DC-9F53-934F-AE4D-0F1F197008C1}" type="datetimeFigureOut">
               <a:rPr lang="en-US" smtClean="0"/>
-              <a:t>10/26/23</a:t>
+              <a:t>2/12/24</a:t>
             </a:fld>
             <a:endParaRPr lang="en-US"/>
           </a:p>
@@ -2361,7 +2361,7 @@
           <a:p>
             <a:fld id="{964302DC-9F53-934F-AE4D-0F1F197008C1}" type="datetimeFigureOut">
               <a:rPr lang="en-US" smtClean="0"/>
-              <a:t>10/26/23</a:t>
+              <a:t>2/12/24</a:t>
             </a:fld>
             <a:endParaRPr lang="en-US"/>
           </a:p>
@@ -2426,9 +2426,18 @@
 <p:sldMaster xmlns:a="http://schemas.openxmlformats.org/drawingml/2006/main" xmlns:r="http://schemas.openxmlformats.org/officeDocument/2006/relationships" xmlns:p="http://schemas.openxmlformats.org/presentationml/2006/main">
   <p:cSld>
     <p:bg>
-      <p:bgRef idx="1001">
-        <a:schemeClr val="bg1"/>
-      </p:bgRef>
+      <p:bgPr>
+        <a:blipFill dpi="0" rotWithShape="1">
+          <a:blip r:embed="rId13">
+            <a:lum/>
+          </a:blip>
+          <a:srcRect/>
+          <a:stretch>
+            <a:fillRect/>
+          </a:stretch>
+        </a:blipFill>
+        <a:effectLst/>
+      </p:bgPr>
     </p:bg>
     <p:spTree>
       <p:nvGrpSpPr>
@@ -2574,7 +2583,7 @@
           <a:p>
             <a:fld id="{964302DC-9F53-934F-AE4D-0F1F197008C1}" type="datetimeFigureOut">
               <a:rPr lang="en-US" smtClean="0"/>
-              <a:t>10/26/23</a:t>
+              <a:t>2/12/24</a:t>
             </a:fld>
             <a:endParaRPr lang="en-US"/>
           </a:p>
@@ -2965,20 +2974,6 @@
 <file path=ppt/slides/slide1.xml><?xml version="1.0" encoding="utf-8"?>
 <p:sld xmlns:a="http://schemas.openxmlformats.org/drawingml/2006/main" xmlns:r="http://schemas.openxmlformats.org/officeDocument/2006/relationships" xmlns:p="http://schemas.openxmlformats.org/presentationml/2006/main">
   <p:cSld>
-    <p:bg>
-      <p:bgPr>
-        <a:blipFill dpi="0" rotWithShape="1">
-          <a:blip r:embed="rId2">
-            <a:lum/>
-          </a:blip>
-          <a:srcRect/>
-          <a:stretch>
-            <a:fillRect/>
-          </a:stretch>
-        </a:blipFill>
-        <a:effectLst/>
-      </p:bgPr>
-    </p:bg>
     <p:spTree>
       <p:nvGrpSpPr>
         <p:cNvPr id="1" name=""/>
@@ -3160,7 +3155,7 @@
               <p:nvPr/>
             </p:nvPicPr>
             <p:blipFill>
-              <a:blip r:embed="rId3">
+              <a:blip r:embed="rId2">
                 <a:alphaModFix amt="30000"/>
               </a:blip>
               <a:stretch>
@@ -4956,7 +4951,7 @@
             <p:nvPr/>
           </p:nvPicPr>
           <p:blipFill>
-            <a:blip r:embed="rId4">
+            <a:blip r:embed="rId3">
               <a:alphaModFix/>
             </a:blip>
             <a:stretch>
@@ -5198,20 +5193,6 @@
 <file path=ppt/slides/slide2.xml><?xml version="1.0" encoding="utf-8"?>
 <p:sld xmlns:a="http://schemas.openxmlformats.org/drawingml/2006/main" xmlns:r="http://schemas.openxmlformats.org/officeDocument/2006/relationships" xmlns:p="http://schemas.openxmlformats.org/presentationml/2006/main">
   <p:cSld>
-    <p:bg>
-      <p:bgPr>
-        <a:blipFill dpi="0" rotWithShape="1">
-          <a:blip r:embed="rId2">
-            <a:lum/>
-          </a:blip>
-          <a:srcRect/>
-          <a:stretch>
-            <a:fillRect/>
-          </a:stretch>
-        </a:blipFill>
-        <a:effectLst/>
-      </p:bgPr>
-    </p:bg>
     <p:spTree>
       <p:nvGrpSpPr>
         <p:cNvPr id="1" name=""/>
@@ -5312,7 +5293,7 @@
                     </a:schemeClr>
                   </a:solidFill>
                 </a:rPr>
-                <a:t>    WriteLine("\"Ni!\"");</a:t>
+                <a:t>      WriteLine("\"Ni!\"");</a:t>
               </a:r>
             </a:p>
             <a:p>
@@ -5328,7 +5309,7 @@
                     </a:schemeClr>
                   </a:solidFill>
                 </a:rPr>
-                <a:t>    Write("Submit? ");</a:t>
+                <a:t>      Write("Submit? ");</a:t>
               </a:r>
               <a:br>
                 <a:rPr lang="en-AU" sz="1400" dirty="0">
@@ -5360,7 +5341,7 @@
                     </a:schemeClr>
                   </a:solidFill>
                 </a:rPr>
-                <a:t>     if (</a:t>
+                <a:t>      if (</a:t>
               </a:r>
               <a:r>
                 <a:rPr lang="en-AU" sz="1400" dirty="0" err="1">
@@ -5396,7 +5377,7 @@
                     </a:schemeClr>
                   </a:solidFill>
                 </a:rPr>
-                <a:t>    {</a:t>
+                <a:t>      {</a:t>
               </a:r>
             </a:p>
             <a:p>
@@ -5412,7 +5393,7 @@
                     </a:schemeClr>
                   </a:solidFill>
                 </a:rPr>
-                <a:t>        break;</a:t>
+                <a:t>          break;</a:t>
               </a:r>
             </a:p>
             <a:p>
@@ -5428,7 +5409,7 @@
                     </a:schemeClr>
                   </a:solidFill>
                 </a:rPr>
-                <a:t>    }</a:t>
+                <a:t>      }</a:t>
               </a:r>
             </a:p>
             <a:p>
@@ -5513,7 +5494,7 @@
               <p:nvPr/>
             </p:nvPicPr>
             <p:blipFill>
-              <a:blip r:embed="rId3">
+              <a:blip r:embed="rId2">
                 <a:alphaModFix amt="30000"/>
               </a:blip>
               <a:stretch>
@@ -7318,7 +7299,7 @@
             <p:nvPr/>
           </p:nvPicPr>
           <p:blipFill>
-            <a:blip r:embed="rId4">
+            <a:blip r:embed="rId3">
               <a:alphaModFix amt="30000"/>
             </a:blip>
             <a:stretch>
@@ -7596,20 +7577,6 @@
 <file path=ppt/slides/slide3.xml><?xml version="1.0" encoding="utf-8"?>
 <p:sld xmlns:a="http://schemas.openxmlformats.org/drawingml/2006/main" xmlns:r="http://schemas.openxmlformats.org/officeDocument/2006/relationships" xmlns:p="http://schemas.openxmlformats.org/presentationml/2006/main">
   <p:cSld>
-    <p:bg>
-      <p:bgPr>
-        <a:blipFill dpi="0" rotWithShape="1">
-          <a:blip r:embed="rId2">
-            <a:lum/>
-          </a:blip>
-          <a:srcRect/>
-          <a:stretch>
-            <a:fillRect/>
-          </a:stretch>
-        </a:blipFill>
-        <a:effectLst/>
-      </p:bgPr>
-    </p:bg>
     <p:spTree>
       <p:nvGrpSpPr>
         <p:cNvPr id="1" name=""/>
@@ -7710,7 +7677,7 @@
               </a:pPr>
               <a:r>
                 <a:rPr lang="en-AU" sz="1400" dirty="0"/>
-                <a:t>    WriteLine("\"Ni!\"");</a:t>
+                <a:t>      WriteLine("\"Ni!\"");</a:t>
               </a:r>
             </a:p>
             <a:p>
@@ -7720,7 +7687,7 @@
               </a:pPr>
               <a:r>
                 <a:rPr lang="en-AU" sz="1400" dirty="0"/>
-                <a:t>    Write("Submit? ");</a:t>
+                <a:t>      Write("Submit? ");</a:t>
               </a:r>
               <a:br>
                 <a:rPr lang="en-AU" sz="1400" dirty="0">
@@ -7752,7 +7719,7 @@
                     </a:schemeClr>
                   </a:solidFill>
                 </a:rPr>
-                <a:t>     if (</a:t>
+                <a:t>      if (</a:t>
               </a:r>
               <a:r>
                 <a:rPr lang="en-AU" sz="1400" dirty="0" err="1">
@@ -7788,7 +7755,7 @@
                     </a:schemeClr>
                   </a:solidFill>
                 </a:rPr>
-                <a:t>    {</a:t>
+                <a:t>      {</a:t>
               </a:r>
             </a:p>
             <a:p>
@@ -7804,7 +7771,7 @@
                     </a:schemeClr>
                   </a:solidFill>
                 </a:rPr>
-                <a:t>        break;</a:t>
+                <a:t>          break;</a:t>
               </a:r>
             </a:p>
             <a:p>
@@ -7820,7 +7787,7 @@
                     </a:schemeClr>
                   </a:solidFill>
                 </a:rPr>
-                <a:t>    }</a:t>
+                <a:t>      }</a:t>
               </a:r>
             </a:p>
             <a:p>
@@ -7905,7 +7872,7 @@
               <p:nvPr/>
             </p:nvPicPr>
             <p:blipFill>
-              <a:blip r:embed="rId3">
+              <a:blip r:embed="rId2">
                 <a:alphaModFix amt="30000"/>
               </a:blip>
               <a:stretch>
@@ -9701,7 +9668,7 @@
             <p:nvPr/>
           </p:nvPicPr>
           <p:blipFill>
-            <a:blip r:embed="rId4">
+            <a:blip r:embed="rId3">
               <a:alphaModFix/>
             </a:blip>
             <a:stretch>
@@ -9981,20 +9948,6 @@
 <file path=ppt/slides/slide4.xml><?xml version="1.0" encoding="utf-8"?>
 <p:sld xmlns:a="http://schemas.openxmlformats.org/drawingml/2006/main" xmlns:r="http://schemas.openxmlformats.org/officeDocument/2006/relationships" xmlns:p="http://schemas.openxmlformats.org/presentationml/2006/main">
   <p:cSld>
-    <p:bg>
-      <p:bgPr>
-        <a:blipFill dpi="0" rotWithShape="1">
-          <a:blip r:embed="rId2">
-            <a:lum/>
-          </a:blip>
-          <a:srcRect/>
-          <a:stretch>
-            <a:fillRect/>
-          </a:stretch>
-        </a:blipFill>
-        <a:effectLst/>
-      </p:bgPr>
-    </p:bg>
     <p:spTree>
       <p:nvGrpSpPr>
         <p:cNvPr id="1" name=""/>
@@ -10101,7 +10054,7 @@
                     </a:schemeClr>
                   </a:solidFill>
                 </a:rPr>
-                <a:t>    WriteLine("\"Ni!\"");</a:t>
+                <a:t>      WriteLine("\"Ni!\"");</a:t>
               </a:r>
             </a:p>
             <a:p>
@@ -10117,7 +10070,7 @@
                     </a:schemeClr>
                   </a:solidFill>
                 </a:rPr>
-                <a:t>    Write("Submit? ");</a:t>
+                <a:t>      Write("Submit? ");</a:t>
               </a:r>
               <a:br>
                 <a:rPr lang="en-AU" sz="1400" dirty="0">
@@ -10143,7 +10096,7 @@
               </a:pPr>
               <a:r>
                 <a:rPr lang="en-AU" sz="1400" dirty="0"/>
-                <a:t>     if (</a:t>
+                <a:t>      if (</a:t>
               </a:r>
               <a:r>
                 <a:rPr lang="en-AU" sz="1400" dirty="0" err="1"/>
@@ -10167,7 +10120,7 @@
                     </a:schemeClr>
                   </a:solidFill>
                 </a:rPr>
-                <a:t>    {</a:t>
+                <a:t>      {</a:t>
               </a:r>
             </a:p>
             <a:p>
@@ -10183,7 +10136,7 @@
                     </a:schemeClr>
                   </a:solidFill>
                 </a:rPr>
-                <a:t>        break;</a:t>
+                <a:t>          break;</a:t>
               </a:r>
             </a:p>
             <a:p>
@@ -10199,7 +10152,7 @@
                     </a:schemeClr>
                   </a:solidFill>
                 </a:rPr>
-                <a:t>    }</a:t>
+                <a:t>      }</a:t>
               </a:r>
             </a:p>
             <a:p>
@@ -10284,7 +10237,7 @@
               <p:nvPr/>
             </p:nvPicPr>
             <p:blipFill>
-              <a:blip r:embed="rId3">
+              <a:blip r:embed="rId2">
                 <a:alphaModFix amt="30000"/>
               </a:blip>
               <a:stretch>
@@ -12045,7 +11998,7 @@
           <p:spPr>
             <a:xfrm>
               <a:off x="2492466" y="375300"/>
-              <a:ext cx="723251" cy="646331"/>
+              <a:ext cx="723251" cy="369332"/>
             </a:xfrm>
             <a:prstGeom prst="rect">
               <a:avLst/>
@@ -12060,7 +12013,7 @@
             <a:p>
               <a:r>
                 <a:rPr lang="en-US" dirty="0"/>
-                <a:t>12,14,7</a:t>
+                <a:t>14,7</a:t>
               </a:r>
             </a:p>
           </p:txBody>
@@ -12080,7 +12033,7 @@
             <p:nvPr/>
           </p:nvPicPr>
           <p:blipFill>
-            <a:blip r:embed="rId4">
+            <a:blip r:embed="rId3">
               <a:alphaModFix/>
             </a:blip>
             <a:stretch>
@@ -12439,20 +12392,6 @@
 <file path=ppt/slides/slide5.xml><?xml version="1.0" encoding="utf-8"?>
 <p:sld xmlns:a="http://schemas.openxmlformats.org/drawingml/2006/main" xmlns:r="http://schemas.openxmlformats.org/officeDocument/2006/relationships" xmlns:p="http://schemas.openxmlformats.org/presentationml/2006/main">
   <p:cSld>
-    <p:bg>
-      <p:bgPr>
-        <a:blipFill dpi="0" rotWithShape="1">
-          <a:blip r:embed="rId2">
-            <a:lum/>
-          </a:blip>
-          <a:srcRect/>
-          <a:stretch>
-            <a:fillRect/>
-          </a:stretch>
-        </a:blipFill>
-        <a:effectLst/>
-      </p:bgPr>
-    </p:bg>
     <p:spTree>
       <p:nvGrpSpPr>
         <p:cNvPr id="1" name=""/>
@@ -12553,7 +12492,7 @@
                     </a:schemeClr>
                   </a:solidFill>
                 </a:rPr>
-                <a:t>    WriteLine("\"Ni!\"");</a:t>
+                <a:t>      WriteLine("\"Ni!\"");</a:t>
               </a:r>
             </a:p>
             <a:p>
@@ -12569,7 +12508,7 @@
                     </a:schemeClr>
                   </a:solidFill>
                 </a:rPr>
-                <a:t>    Write("Submit? ");</a:t>
+                <a:t>      Write("Submit? ");</a:t>
               </a:r>
               <a:br>
                 <a:rPr lang="en-AU" sz="1400" dirty="0">
@@ -12601,7 +12540,7 @@
                     </a:schemeClr>
                   </a:solidFill>
                 </a:rPr>
-                <a:t>     if (</a:t>
+                <a:t>      if (</a:t>
               </a:r>
               <a:r>
                 <a:rPr lang="en-AU" sz="1400" dirty="0" err="1">
@@ -12637,7 +12576,7 @@
                     </a:schemeClr>
                   </a:solidFill>
                 </a:rPr>
-                <a:t>    {</a:t>
+                <a:t>      {</a:t>
               </a:r>
             </a:p>
             <a:p>
@@ -12653,7 +12592,7 @@
                     </a:schemeClr>
                   </a:solidFill>
                 </a:rPr>
-                <a:t>        break;</a:t>
+                <a:t>          break;</a:t>
               </a:r>
             </a:p>
             <a:p>
@@ -12669,7 +12608,7 @@
                     </a:schemeClr>
                   </a:solidFill>
                 </a:rPr>
-                <a:t>    }</a:t>
+                <a:t>      }</a:t>
               </a:r>
             </a:p>
             <a:p>
@@ -12754,7 +12693,7 @@
               <p:nvPr/>
             </p:nvPicPr>
             <p:blipFill>
-              <a:blip r:embed="rId3">
+              <a:blip r:embed="rId2">
                 <a:alphaModFix amt="30000"/>
               </a:blip>
               <a:stretch>
@@ -14559,7 +14498,7 @@
             <p:nvPr/>
           </p:nvPicPr>
           <p:blipFill>
-            <a:blip r:embed="rId4">
+            <a:blip r:embed="rId3">
               <a:alphaModFix amt="30000"/>
             </a:blip>
             <a:stretch>
@@ -14865,20 +14804,6 @@
 <file path=ppt/slides/slide6.xml><?xml version="1.0" encoding="utf-8"?>
 <p:sld xmlns:a="http://schemas.openxmlformats.org/drawingml/2006/main" xmlns:r="http://schemas.openxmlformats.org/officeDocument/2006/relationships" xmlns:p="http://schemas.openxmlformats.org/presentationml/2006/main">
   <p:cSld>
-    <p:bg>
-      <p:bgPr>
-        <a:blipFill dpi="0" rotWithShape="1">
-          <a:blip r:embed="rId2">
-            <a:lum/>
-          </a:blip>
-          <a:srcRect/>
-          <a:stretch>
-            <a:fillRect/>
-          </a:stretch>
-        </a:blipFill>
-        <a:effectLst/>
-      </p:bgPr>
-    </p:bg>
     <p:spTree>
       <p:nvGrpSpPr>
         <p:cNvPr id="1" name=""/>
@@ -14979,7 +14904,7 @@
               </a:pPr>
               <a:r>
                 <a:rPr lang="en-AU" sz="1400" dirty="0"/>
-                <a:t>    WriteLine("\"Ni!\"");</a:t>
+                <a:t>      WriteLine("\"Ni!\"");</a:t>
               </a:r>
             </a:p>
             <a:p>
@@ -14989,7 +14914,7 @@
               </a:pPr>
               <a:r>
                 <a:rPr lang="en-AU" sz="1400" dirty="0"/>
-                <a:t>    Write("Submit? ");</a:t>
+                <a:t>      Write("Submit? ");</a:t>
               </a:r>
               <a:br>
                 <a:rPr lang="en-AU" sz="1400" dirty="0">
@@ -15021,7 +14946,7 @@
                     </a:schemeClr>
                   </a:solidFill>
                 </a:rPr>
-                <a:t>     if (</a:t>
+                <a:t>      if (</a:t>
               </a:r>
               <a:r>
                 <a:rPr lang="en-AU" sz="1400" dirty="0" err="1">
@@ -15057,7 +14982,7 @@
                     </a:schemeClr>
                   </a:solidFill>
                 </a:rPr>
-                <a:t>    {</a:t>
+                <a:t>      {</a:t>
               </a:r>
             </a:p>
             <a:p>
@@ -15073,7 +14998,7 @@
                     </a:schemeClr>
                   </a:solidFill>
                 </a:rPr>
-                <a:t>        break;</a:t>
+                <a:t>          break;</a:t>
               </a:r>
             </a:p>
             <a:p>
@@ -15089,7 +15014,7 @@
                     </a:schemeClr>
                   </a:solidFill>
                 </a:rPr>
-                <a:t>    }</a:t>
+                <a:t>      }</a:t>
               </a:r>
             </a:p>
             <a:p>
@@ -15174,7 +15099,7 @@
               <p:nvPr/>
             </p:nvPicPr>
             <p:blipFill>
-              <a:blip r:embed="rId3">
+              <a:blip r:embed="rId2">
                 <a:alphaModFix amt="30000"/>
               </a:blip>
               <a:stretch>
@@ -16970,7 +16895,7 @@
             <p:nvPr/>
           </p:nvPicPr>
           <p:blipFill>
-            <a:blip r:embed="rId4">
+            <a:blip r:embed="rId3">
               <a:alphaModFix/>
             </a:blip>
             <a:stretch>
@@ -17292,20 +17217,6 @@
 <file path=ppt/slides/slide7.xml><?xml version="1.0" encoding="utf-8"?>
 <p:sld xmlns:a="http://schemas.openxmlformats.org/drawingml/2006/main" xmlns:r="http://schemas.openxmlformats.org/officeDocument/2006/relationships" xmlns:p="http://schemas.openxmlformats.org/presentationml/2006/main">
   <p:cSld>
-    <p:bg>
-      <p:bgPr>
-        <a:blipFill dpi="0" rotWithShape="1">
-          <a:blip r:embed="rId2">
-            <a:lum/>
-          </a:blip>
-          <a:srcRect/>
-          <a:stretch>
-            <a:fillRect/>
-          </a:stretch>
-        </a:blipFill>
-        <a:effectLst/>
-      </p:bgPr>
-    </p:bg>
     <p:spTree>
       <p:nvGrpSpPr>
         <p:cNvPr id="1" name=""/>
@@ -17412,7 +17323,7 @@
                     </a:schemeClr>
                   </a:solidFill>
                 </a:rPr>
-                <a:t>    WriteLine("\"Ni!\"");</a:t>
+                <a:t>      WriteLine("\"Ni!\"");</a:t>
               </a:r>
             </a:p>
             <a:p>
@@ -17428,7 +17339,7 @@
                     </a:schemeClr>
                   </a:solidFill>
                 </a:rPr>
-                <a:t>    Write("Submit? ");</a:t>
+                <a:t>      Write("Submit? ");</a:t>
               </a:r>
               <a:br>
                 <a:rPr lang="en-AU" sz="1400" dirty="0">
@@ -17454,7 +17365,7 @@
               </a:pPr>
               <a:r>
                 <a:rPr lang="en-AU" sz="1400" dirty="0"/>
-                <a:t>     if (</a:t>
+                <a:t>      if (</a:t>
               </a:r>
               <a:r>
                 <a:rPr lang="en-AU" sz="1400" dirty="0" err="1"/>
@@ -17478,7 +17389,7 @@
                     </a:schemeClr>
                   </a:solidFill>
                 </a:rPr>
-                <a:t>    {</a:t>
+                <a:t>      {</a:t>
               </a:r>
             </a:p>
             <a:p>
@@ -17494,7 +17405,7 @@
                     </a:schemeClr>
                   </a:solidFill>
                 </a:rPr>
-                <a:t>        break;</a:t>
+                <a:t>          break;</a:t>
               </a:r>
             </a:p>
             <a:p>
@@ -17510,7 +17421,7 @@
                     </a:schemeClr>
                   </a:solidFill>
                 </a:rPr>
-                <a:t>    }</a:t>
+                <a:t>      }</a:t>
               </a:r>
             </a:p>
             <a:p>
@@ -17595,7 +17506,7 @@
               <p:nvPr/>
             </p:nvPicPr>
             <p:blipFill>
-              <a:blip r:embed="rId3">
+              <a:blip r:embed="rId2">
                 <a:alphaModFix amt="30000"/>
               </a:blip>
               <a:stretch>
@@ -19391,7 +19302,7 @@
             <p:nvPr/>
           </p:nvPicPr>
           <p:blipFill>
-            <a:blip r:embed="rId4">
+            <a:blip r:embed="rId3">
               <a:alphaModFix/>
             </a:blip>
             <a:stretch>
@@ -19799,20 +19710,6 @@
 <file path=ppt/slides/slide8.xml><?xml version="1.0" encoding="utf-8"?>
 <p:sld xmlns:a="http://schemas.openxmlformats.org/drawingml/2006/main" xmlns:r="http://schemas.openxmlformats.org/officeDocument/2006/relationships" xmlns:p="http://schemas.openxmlformats.org/presentationml/2006/main">
   <p:cSld>
-    <p:bg>
-      <p:bgPr>
-        <a:blipFill dpi="0" rotWithShape="1">
-          <a:blip r:embed="rId2">
-            <a:lum/>
-          </a:blip>
-          <a:srcRect/>
-          <a:stretch>
-            <a:fillRect/>
-          </a:stretch>
-        </a:blipFill>
-        <a:effectLst/>
-      </p:bgPr>
-    </p:bg>
     <p:spTree>
       <p:nvGrpSpPr>
         <p:cNvPr id="1" name=""/>
@@ -19919,7 +19816,7 @@
                     </a:schemeClr>
                   </a:solidFill>
                 </a:rPr>
-                <a:t>    WriteLine("\"Ni!\"");</a:t>
+                <a:t>      WriteLine("\"Ni!\"");</a:t>
               </a:r>
             </a:p>
             <a:p>
@@ -19935,7 +19832,7 @@
                     </a:schemeClr>
                   </a:solidFill>
                 </a:rPr>
-                <a:t>    Write("Submit? ");</a:t>
+                <a:t>      Write("Submit? ");</a:t>
               </a:r>
               <a:br>
                 <a:rPr lang="en-AU" sz="1400" dirty="0">
@@ -19967,7 +19864,7 @@
                     </a:schemeClr>
                   </a:solidFill>
                 </a:rPr>
-                <a:t>     if (</a:t>
+                <a:t>      if (</a:t>
               </a:r>
               <a:r>
                 <a:rPr lang="en-AU" sz="1400" dirty="0" err="1">
@@ -20003,7 +19900,7 @@
                     </a:schemeClr>
                   </a:solidFill>
                 </a:rPr>
-                <a:t>    {</a:t>
+                <a:t>      {</a:t>
               </a:r>
             </a:p>
             <a:p>
@@ -20013,7 +19910,7 @@
               </a:pPr>
               <a:r>
                 <a:rPr lang="en-AU" sz="1400" dirty="0"/>
-                <a:t>        break;</a:t>
+                <a:t>          break;</a:t>
               </a:r>
             </a:p>
             <a:p>
@@ -20029,7 +19926,7 @@
                     </a:schemeClr>
                   </a:solidFill>
                 </a:rPr>
-                <a:t>    }</a:t>
+                <a:t>      }</a:t>
               </a:r>
             </a:p>
             <a:p>
@@ -20114,7 +20011,7 @@
               <p:nvPr/>
             </p:nvPicPr>
             <p:blipFill>
-              <a:blip r:embed="rId3">
+              <a:blip r:embed="rId2">
                 <a:alphaModFix amt="30000"/>
               </a:blip>
               <a:stretch>
@@ -21919,7 +21816,7 @@
             <p:nvPr/>
           </p:nvPicPr>
           <p:blipFill>
-            <a:blip r:embed="rId4">
+            <a:blip r:embed="rId3">
               <a:alphaModFix amt="30000"/>
             </a:blip>
             <a:stretch>
@@ -22267,20 +22164,6 @@
 <file path=ppt/slides/slide9.xml><?xml version="1.0" encoding="utf-8"?>
 <p:sld xmlns:a="http://schemas.openxmlformats.org/drawingml/2006/main" xmlns:r="http://schemas.openxmlformats.org/officeDocument/2006/relationships" xmlns:p="http://schemas.openxmlformats.org/presentationml/2006/main">
   <p:cSld>
-    <p:bg>
-      <p:bgPr>
-        <a:blipFill dpi="0" rotWithShape="1">
-          <a:blip r:embed="rId2">
-            <a:lum/>
-          </a:blip>
-          <a:srcRect/>
-          <a:stretch>
-            <a:fillRect/>
-          </a:stretch>
-        </a:blipFill>
-        <a:effectLst/>
-      </p:bgPr>
-    </p:bg>
     <p:spTree>
       <p:nvGrpSpPr>
         <p:cNvPr id="1" name=""/>
@@ -22387,7 +22270,7 @@
                     </a:schemeClr>
                   </a:solidFill>
                 </a:rPr>
-                <a:t>    WriteLine("\"Ni!\"");</a:t>
+                <a:t>      WriteLine("\"Ni!\"");</a:t>
               </a:r>
             </a:p>
             <a:p>
@@ -22403,7 +22286,7 @@
                     </a:schemeClr>
                   </a:solidFill>
                 </a:rPr>
-                <a:t>    Write("Submit? ");</a:t>
+                <a:t>      Write("Submit? ");</a:t>
               </a:r>
               <a:br>
                 <a:rPr lang="en-AU" sz="1400" dirty="0">
@@ -22435,7 +22318,7 @@
                     </a:schemeClr>
                   </a:solidFill>
                 </a:rPr>
-                <a:t>     if (</a:t>
+                <a:t>      if (</a:t>
               </a:r>
               <a:r>
                 <a:rPr lang="en-AU" sz="1400" dirty="0" err="1">
@@ -22471,7 +22354,7 @@
                     </a:schemeClr>
                   </a:solidFill>
                 </a:rPr>
-                <a:t>    {</a:t>
+                <a:t>      {</a:t>
               </a:r>
             </a:p>
             <a:p>
@@ -22487,7 +22370,7 @@
                     </a:schemeClr>
                   </a:solidFill>
                 </a:rPr>
-                <a:t>        break;</a:t>
+                <a:t>          break;</a:t>
               </a:r>
             </a:p>
             <a:p>
@@ -22503,7 +22386,7 @@
                     </a:schemeClr>
                   </a:solidFill>
                 </a:rPr>
-                <a:t>    }</a:t>
+                <a:t>      }</a:t>
               </a:r>
             </a:p>
             <a:p>
@@ -22582,7 +22465,7 @@
               <p:nvPr/>
             </p:nvPicPr>
             <p:blipFill>
-              <a:blip r:embed="rId3">
+              <a:blip r:embed="rId2">
                 <a:alphaModFix amt="30000"/>
               </a:blip>
               <a:stretch>
@@ -24378,7 +24261,7 @@
             <p:nvPr/>
           </p:nvPicPr>
           <p:blipFill>
-            <a:blip r:embed="rId4">
+            <a:blip r:embed="rId3">
               <a:alphaModFix/>
             </a:blip>
             <a:stretch>

--- a/resources/ppt-slides/control-flow-infinite-loop.pptx
+++ b/resources/ppt-slides/control-flow-infinite-loop.pptx
@@ -3042,15 +3042,15 @@
               </a:pPr>
               <a:r>
                 <a:rPr lang="en-AU" sz="1600" dirty="0"/>
-                <a:t>using static </a:t>
+                <a:t/>
               </a:r>
               <a:r>
                 <a:rPr lang="en-AU" sz="1600" dirty="0" err="1"/>
-                <a:t>System.Console</a:t>
+                <a:t>// include SplashKit library</a:t>
               </a:r>
               <a:r>
                 <a:rPr lang="en-AU" sz="1600" dirty="0"/>
-                <a:t>;</a:t>
+                <a:t/>
               </a:r>
             </a:p>
             <a:p>
@@ -3060,15 +3060,15 @@
               </a:pPr>
               <a:r>
                 <a:rPr lang="en-AU" sz="1600" dirty="0"/>
-                <a:t>using static </a:t>
+                <a:t/>
               </a:r>
               <a:r>
                 <a:rPr lang="en-AU" sz="1600" dirty="0" err="1"/>
-                <a:t>System.Convert</a:t>
+                <a:t>#include "splashkit.h"</a:t>
               </a:r>
               <a:r>
                 <a:rPr lang="en-AU" sz="1600" dirty="0"/>
-                <a:t>;</a:t>
+                <a:t/>
               </a:r>
             </a:p>
             <a:p>
@@ -3085,7 +3085,7 @@
               </a:pPr>
               <a:r>
                 <a:rPr lang="en-AU" sz="1600" dirty="0"/>
-                <a:t>WriteLine("Before you stands a 12 foot tall Knight...");</a:t>
+                <a:t>write_line("Before you stands a 12 foot tall Knight...");</a:t>
               </a:r>
             </a:p>
             <a:p>
@@ -3095,7 +3095,7 @@
               </a:pPr>
               <a:r>
                 <a:rPr lang="en-AU" sz="1600" dirty="0"/>
-                <a:t>WriteLine();</a:t>
+                <a:t>write_line();</a:t>
               </a:r>
             </a:p>
             <a:p>
@@ -3105,7 +3105,7 @@
               </a:pPr>
               <a:r>
                 <a:rPr lang="en-AU" sz="1600" dirty="0"/>
-                <a:t>WriteLine("\"We are the Knights who say 'Ni'.\"");</a:t>
+                <a:t>write_line("\"We are the Knights who say 'Ni'.\"");</a:t>
               </a:r>
             </a:p>
             <a:p>
@@ -3115,7 +3115,7 @@
               </a:pPr>
               <a:r>
                 <a:rPr lang="en-AU" sz="1600" dirty="0"/>
-                <a:t>WriteLine("\"I will say Ni to you again if you do not appease us!\"");</a:t>
+                <a:t>write_line("\"I will say Ni to you again if you do not appease us!\"");</a:t>
               </a:r>
             </a:p>
           </p:txBody>
@@ -5293,7 +5293,7 @@
                     </a:schemeClr>
                   </a:solidFill>
                 </a:rPr>
-                <a:t>      WriteLine("\"Ni!\"");</a:t>
+                <a:t>      write_line("\"Ni!\"");</a:t>
               </a:r>
             </a:p>
             <a:p>
@@ -5309,7 +5309,7 @@
                     </a:schemeClr>
                   </a:solidFill>
                 </a:rPr>
-                <a:t>      Write("Submit? ");</a:t>
+                <a:t>      write("Submit? ");</a:t>
               </a:r>
               <a:br>
                 <a:rPr lang="en-AU" sz="1400" dirty="0">
@@ -5351,7 +5351,7 @@
                     </a:schemeClr>
                   </a:solidFill>
                 </a:rPr>
-                <a:t>ReadLine</a:t>
+                <a:t>read_line</a:t>
               </a:r>
               <a:r>
                 <a:rPr lang="en-AU" sz="1400" dirty="0">
@@ -5454,7 +5454,7 @@
                     </a:schemeClr>
                   </a:solidFill>
                 </a:rPr>
-                <a:t>WriteLine("\"Bring us a Shrubbery!\"");</a:t>
+                <a:t>write_line("\"Bring us a Shrubbery!\"");</a:t>
               </a:r>
             </a:p>
           </p:txBody>
@@ -7677,7 +7677,7 @@
               </a:pPr>
               <a:r>
                 <a:rPr lang="en-AU" sz="1400" dirty="0"/>
-                <a:t>      WriteLine("\"Ni!\"");</a:t>
+                <a:t>      write_line("\"Ni!\"");</a:t>
               </a:r>
             </a:p>
             <a:p>
@@ -7687,7 +7687,7 @@
               </a:pPr>
               <a:r>
                 <a:rPr lang="en-AU" sz="1400" dirty="0"/>
-                <a:t>      Write("Submit? ");</a:t>
+                <a:t>      write("Submit? ");</a:t>
               </a:r>
               <a:br>
                 <a:rPr lang="en-AU" sz="1400" dirty="0">
@@ -7729,7 +7729,7 @@
                     </a:schemeClr>
                   </a:solidFill>
                 </a:rPr>
-                <a:t>ReadLine</a:t>
+                <a:t>read_line</a:t>
               </a:r>
               <a:r>
                 <a:rPr lang="en-AU" sz="1400" dirty="0">
@@ -7832,7 +7832,7 @@
                     </a:schemeClr>
                   </a:solidFill>
                 </a:rPr>
-                <a:t>WriteLine("\"Bring us a Shrubbery!\"");</a:t>
+                <a:t>write_line("\"Bring us a Shrubbery!\"");</a:t>
               </a:r>
             </a:p>
           </p:txBody>
@@ -10054,7 +10054,7 @@
                     </a:schemeClr>
                   </a:solidFill>
                 </a:rPr>
-                <a:t>      WriteLine("\"Ni!\"");</a:t>
+                <a:t>      write_line("\"Ni!\"");</a:t>
               </a:r>
             </a:p>
             <a:p>
@@ -10070,7 +10070,7 @@
                     </a:schemeClr>
                   </a:solidFill>
                 </a:rPr>
-                <a:t>      Write("Submit? ");</a:t>
+                <a:t>      write("Submit? ");</a:t>
               </a:r>
               <a:br>
                 <a:rPr lang="en-AU" sz="1400" dirty="0">
@@ -10100,7 +10100,7 @@
               </a:r>
               <a:r>
                 <a:rPr lang="en-AU" sz="1400" dirty="0" err="1"/>
-                <a:t>ReadLine</a:t>
+                <a:t>read_line</a:t>
               </a:r>
               <a:r>
                 <a:rPr lang="en-AU" sz="1400" dirty="0"/>
@@ -10197,7 +10197,7 @@
                     </a:schemeClr>
                   </a:solidFill>
                 </a:rPr>
-                <a:t>WriteLine("\"Bring us a Shrubbery!\"");</a:t>
+                <a:t>write_line("\"Bring us a Shrubbery!\"");</a:t>
               </a:r>
             </a:p>
           </p:txBody>
@@ -12492,7 +12492,7 @@
                     </a:schemeClr>
                   </a:solidFill>
                 </a:rPr>
-                <a:t>      WriteLine("\"Ni!\"");</a:t>
+                <a:t>      write_line("\"Ni!\"");</a:t>
               </a:r>
             </a:p>
             <a:p>
@@ -12508,7 +12508,7 @@
                     </a:schemeClr>
                   </a:solidFill>
                 </a:rPr>
-                <a:t>      Write("Submit? ");</a:t>
+                <a:t>      write("Submit? ");</a:t>
               </a:r>
               <a:br>
                 <a:rPr lang="en-AU" sz="1400" dirty="0">
@@ -12550,7 +12550,7 @@
                     </a:schemeClr>
                   </a:solidFill>
                 </a:rPr>
-                <a:t>ReadLine</a:t>
+                <a:t>read_line</a:t>
               </a:r>
               <a:r>
                 <a:rPr lang="en-AU" sz="1400" dirty="0">
@@ -12653,7 +12653,7 @@
                     </a:schemeClr>
                   </a:solidFill>
                 </a:rPr>
-                <a:t>WriteLine("\"Bring us a Shrubbery!\"");</a:t>
+                <a:t>write_line("\"Bring us a Shrubbery!\"");</a:t>
               </a:r>
             </a:p>
           </p:txBody>
@@ -14904,7 +14904,7 @@
               </a:pPr>
               <a:r>
                 <a:rPr lang="en-AU" sz="1400" dirty="0"/>
-                <a:t>      WriteLine("\"Ni!\"");</a:t>
+                <a:t>      write_line("\"Ni!\"");</a:t>
               </a:r>
             </a:p>
             <a:p>
@@ -14914,7 +14914,7 @@
               </a:pPr>
               <a:r>
                 <a:rPr lang="en-AU" sz="1400" dirty="0"/>
-                <a:t>      Write("Submit? ");</a:t>
+                <a:t>      write("Submit? ");</a:t>
               </a:r>
               <a:br>
                 <a:rPr lang="en-AU" sz="1400" dirty="0">
@@ -14956,7 +14956,7 @@
                     </a:schemeClr>
                   </a:solidFill>
                 </a:rPr>
-                <a:t>ReadLine</a:t>
+                <a:t>read_line</a:t>
               </a:r>
               <a:r>
                 <a:rPr lang="en-AU" sz="1400" dirty="0">
@@ -15059,7 +15059,7 @@
                     </a:schemeClr>
                   </a:solidFill>
                 </a:rPr>
-                <a:t>WriteLine("\"Bring us a Shrubbery!\"");</a:t>
+                <a:t>write_line("\"Bring us a Shrubbery!\"");</a:t>
               </a:r>
             </a:p>
           </p:txBody>
@@ -17323,7 +17323,7 @@
                     </a:schemeClr>
                   </a:solidFill>
                 </a:rPr>
-                <a:t>      WriteLine("\"Ni!\"");</a:t>
+                <a:t>      write_line("\"Ni!\"");</a:t>
               </a:r>
             </a:p>
             <a:p>
@@ -17339,7 +17339,7 @@
                     </a:schemeClr>
                   </a:solidFill>
                 </a:rPr>
-                <a:t>      Write("Submit? ");</a:t>
+                <a:t>      write("Submit? ");</a:t>
               </a:r>
               <a:br>
                 <a:rPr lang="en-AU" sz="1400" dirty="0">
@@ -17369,7 +17369,7 @@
               </a:r>
               <a:r>
                 <a:rPr lang="en-AU" sz="1400" dirty="0" err="1"/>
-                <a:t>ReadLine</a:t>
+                <a:t>read_line</a:t>
               </a:r>
               <a:r>
                 <a:rPr lang="en-AU" sz="1400" dirty="0"/>
@@ -17466,7 +17466,7 @@
                     </a:schemeClr>
                   </a:solidFill>
                 </a:rPr>
-                <a:t>WriteLine("\"Bring us a Shrubbery!\"");</a:t>
+                <a:t>write_line("\"Bring us a Shrubbery!\"");</a:t>
               </a:r>
             </a:p>
           </p:txBody>
@@ -19816,7 +19816,7 @@
                     </a:schemeClr>
                   </a:solidFill>
                 </a:rPr>
-                <a:t>      WriteLine("\"Ni!\"");</a:t>
+                <a:t>      write_line("\"Ni!\"");</a:t>
               </a:r>
             </a:p>
             <a:p>
@@ -19832,7 +19832,7 @@
                     </a:schemeClr>
                   </a:solidFill>
                 </a:rPr>
-                <a:t>      Write("Submit? ");</a:t>
+                <a:t>      write("Submit? ");</a:t>
               </a:r>
               <a:br>
                 <a:rPr lang="en-AU" sz="1400" dirty="0">
@@ -19874,7 +19874,7 @@
                     </a:schemeClr>
                   </a:solidFill>
                 </a:rPr>
-                <a:t>ReadLine</a:t>
+                <a:t>read_line</a:t>
               </a:r>
               <a:r>
                 <a:rPr lang="en-AU" sz="1400" dirty="0">
@@ -19971,7 +19971,7 @@
                     </a:schemeClr>
                   </a:solidFill>
                 </a:rPr>
-                <a:t>WriteLine("\"Bring us a Shrubbery!\"");</a:t>
+                <a:t>write_line("\"Bring us a Shrubbery!\"");</a:t>
               </a:r>
             </a:p>
           </p:txBody>
@@ -22270,7 +22270,7 @@
                     </a:schemeClr>
                   </a:solidFill>
                 </a:rPr>
-                <a:t>      WriteLine("\"Ni!\"");</a:t>
+                <a:t>      write_line("\"Ni!\"");</a:t>
               </a:r>
             </a:p>
             <a:p>
@@ -22286,7 +22286,7 @@
                     </a:schemeClr>
                   </a:solidFill>
                 </a:rPr>
-                <a:t>      Write("Submit? ");</a:t>
+                <a:t>      write("Submit? ");</a:t>
               </a:r>
               <a:br>
                 <a:rPr lang="en-AU" sz="1400" dirty="0">
@@ -22328,7 +22328,7 @@
                     </a:schemeClr>
                   </a:solidFill>
                 </a:rPr>
-                <a:t>ReadLine</a:t>
+                <a:t>read_line</a:t>
               </a:r>
               <a:r>
                 <a:rPr lang="en-AU" sz="1400" dirty="0">
@@ -22425,7 +22425,7 @@
               </a:pPr>
               <a:r>
                 <a:rPr lang="en-AU" sz="1400" dirty="0"/>
-                <a:t>WriteLine("\"Bring us a Shrubbery!\"");</a:t>
+                <a:t>write_line("\"Bring us a Shrubbery!\"");</a:t>
               </a:r>
             </a:p>
           </p:txBody>
